--- a/01 into+appcustomizer.pptx
+++ b/01 into+appcustomizer.pptx
@@ -1172,8 +1172,8 @@
     <dgm:cxn modelId="{1A54CE04-8A96-4E4A-89DB-FB2A1A17744F}" type="presOf" srcId="{7FD8A240-07A6-F345-A4B5-9AFD7D04E09E}" destId="{8C7BF5B7-4285-C94D-AA34-B3807C7E91FB}" srcOrd="0" destOrd="0" presId="urn:microsoft.com/office/officeart/2005/8/layout/vList2"/>
     <dgm:cxn modelId="{63C3212D-1DCF-8044-A3CF-E372F4EA8362}" srcId="{0FC085B4-97CE-2149-B002-3BE96E991E3C}" destId="{11DE7530-2214-3A46-9779-D26EBB89B8D8}" srcOrd="1" destOrd="0" parTransId="{3BEBEC14-E9DD-5C4A-9EAF-10414B491D11}" sibTransId="{92A6A7B2-A1F5-D54F-B97F-04866B340CB4}"/>
     <dgm:cxn modelId="{97FF1C33-165D-9744-B9DD-5FD72C89A0A7}" type="presOf" srcId="{1680333F-291D-CB49-8833-C083699793E0}" destId="{B0272B02-624D-2445-B63B-A4B45C1ED737}" srcOrd="0" destOrd="0" presId="urn:microsoft.com/office/officeart/2005/8/layout/vList2"/>
+    <dgm:cxn modelId="{FBA34671-A6B0-B74F-B2B2-C18DD774C1FA}" type="presOf" srcId="{11DE7530-2214-3A46-9779-D26EBB89B8D8}" destId="{2FB78BDF-7C8F-1F41-8CD6-4B786B18D9FD}" srcOrd="0" destOrd="0" presId="urn:microsoft.com/office/officeart/2005/8/layout/vList2"/>
     <dgm:cxn modelId="{25C03C5A-4ECE-A34E-96BF-DE75E1E0F7EB}" type="presOf" srcId="{0FC085B4-97CE-2149-B002-3BE96E991E3C}" destId="{70B8A340-42D2-FA49-B0EC-FAFE4652EAD9}" srcOrd="0" destOrd="0" presId="urn:microsoft.com/office/officeart/2005/8/layout/vList2"/>
-    <dgm:cxn modelId="{FBA34671-A6B0-B74F-B2B2-C18DD774C1FA}" type="presOf" srcId="{11DE7530-2214-3A46-9779-D26EBB89B8D8}" destId="{2FB78BDF-7C8F-1F41-8CD6-4B786B18D9FD}" srcOrd="0" destOrd="0" presId="urn:microsoft.com/office/officeart/2005/8/layout/vList2"/>
     <dgm:cxn modelId="{96B4197D-2080-E246-BEDB-AC65A9B0EC38}" srcId="{0FC085B4-97CE-2149-B002-3BE96E991E3C}" destId="{A8E42F35-E34E-9E4B-A895-3BC748187CD3}" srcOrd="3" destOrd="0" parTransId="{8D054F3E-704E-1F47-866C-CB97D4DF2B6E}" sibTransId="{976463D6-3DF4-D14D-BDED-C1EC5A591A19}"/>
     <dgm:cxn modelId="{DD996A87-FB18-2B4E-B34F-9E0235E9B363}" srcId="{0FC085B4-97CE-2149-B002-3BE96E991E3C}" destId="{7FD8A240-07A6-F345-A4B5-9AFD7D04E09E}" srcOrd="0" destOrd="0" parTransId="{028B14B4-179B-914A-A696-BC38CCE94176}" sibTransId="{3862C498-2BCA-314C-82B5-D7FF7FA6942A}"/>
     <dgm:cxn modelId="{78A0C8DA-8CE3-C440-99CD-A857846AFA85}" type="presOf" srcId="{A8E42F35-E34E-9E4B-A895-3BC748187CD3}" destId="{E4AF1CAC-D73A-A24F-9293-09183EA92B01}" srcOrd="0" destOrd="0" presId="urn:microsoft.com/office/officeart/2005/8/layout/vList2"/>
@@ -2806,7 +2806,7 @@
               <a:rPr lang="en-US" smtClean="0">
                 <a:latin typeface="Segoe UI" pitchFamily="34" charset="0"/>
               </a:rPr>
-              <a:t>2/28/20 1:24 PM</a:t>
+              <a:t>8/28/2020 7:21 AM</a:t>
             </a:fld>
             <a:endParaRPr lang="en-US" dirty="0">
               <a:latin typeface="Segoe UI" pitchFamily="34" charset="0"/>
@@ -3103,7 +3103,7 @@
           <a:p>
             <a:fld id="{D18B56EA-E28F-4F92-9F16-7A6F2501B303}" type="datetime8">
               <a:rPr lang="en-US" smtClean="0"/>
-              <a:t>2/28/20 1:22 PM</a:t>
+              <a:t>8/28/2020 7:21 AM</a:t>
             </a:fld>
             <a:endParaRPr lang="en-US" dirty="0"/>
           </a:p>
@@ -3486,7 +3486,7 @@
           <a:p>
             <a:fld id="{D18B56EA-E28F-4F92-9F16-7A6F2501B303}" type="datetime8">
               <a:rPr lang="en-US" smtClean="0"/>
-              <a:t>2/28/20 1:22 PM</a:t>
+              <a:t>8/28/2020 7:21 AM</a:t>
             </a:fld>
             <a:endParaRPr lang="en-US" dirty="0"/>
           </a:p>
@@ -3574,17 +3574,14 @@
           <a:lstStyle/>
           <a:p>
             <a:r>
-              <a:rPr lang="en-US" dirty="0"/>
-              <a:t>Some extensions support tenant wide deployment. Tenant wide deployment allows you to have centralized control of which extensions are available across all sites in a tenant.</a:t>
-            </a:r>
-          </a:p>
-          <a:p>
-            <a:endParaRPr lang="en-US" dirty="0"/>
-          </a:p>
-          <a:p>
-            <a:r>
-              <a:rPr lang="en-US" dirty="0"/>
-              <a:t>This deployment option enables you to easily implement a consistent user experience across all of our sites and a consistent deployment for one extension across all sites in the tenant.</a:t>
+              <a:rPr lang="en-US" b="0" dirty="0">
+                <a:solidFill>
+                  <a:srgbClr val="000000"/>
+                </a:solidFill>
+                <a:effectLst/>
+                <a:latin typeface="Consolas" panose="020B0609020204030204" pitchFamily="49" charset="0"/>
+              </a:rPr>
+              <a:t>Some extensions support tenant wide deployment. Tenant wide deployment allows you to have centralized control of which extensions are available across all sites in a tenant. This deployment option enables you to easily implement a consistent user experience across all of your sites.</a:t>
             </a:r>
           </a:p>
           <a:p>
@@ -3695,7 +3692,7 @@
           <a:p>
             <a:fld id="{D18B56EA-E28F-4F92-9F16-7A6F2501B303}" type="datetime8">
               <a:rPr lang="en-US" smtClean="0"/>
-              <a:t>3/1/20 5:32 AM</a:t>
+              <a:t>8/28/2020 7:21 AM</a:t>
             </a:fld>
             <a:endParaRPr lang="en-US" dirty="0"/>
           </a:p>
@@ -3942,7 +3939,7 @@
           <a:p>
             <a:fld id="{D18B56EA-E28F-4F92-9F16-7A6F2501B303}" type="datetime8">
               <a:rPr lang="en-US" smtClean="0"/>
-              <a:t>3/1/20 5:50 AM</a:t>
+              <a:t>8/28/2020 7:21 AM</a:t>
             </a:fld>
             <a:endParaRPr lang="en-US" dirty="0"/>
           </a:p>
@@ -4147,7 +4144,7 @@
           <a:p>
             <a:fld id="{D18B56EA-E28F-4F92-9F16-7A6F2501B303}" type="datetime8">
               <a:rPr lang="en-US" smtClean="0"/>
-              <a:t>3/1/20 6:06 AM</a:t>
+              <a:t>8/28/2020 7:21 AM</a:t>
             </a:fld>
             <a:endParaRPr lang="en-US" dirty="0"/>
           </a:p>
@@ -4391,7 +4388,7 @@
           <a:p>
             <a:fld id="{D18B56EA-E28F-4F92-9F16-7A6F2501B303}" type="datetime8">
               <a:rPr lang="en-US" smtClean="0"/>
-              <a:t>3/1/20 6:15 AM</a:t>
+              <a:t>8/28/2020 7:21 AM</a:t>
             </a:fld>
             <a:endParaRPr lang="en-US" dirty="0"/>
           </a:p>
@@ -4686,7 +4683,7 @@
           <a:p>
             <a:fld id="{D18B56EA-E28F-4F92-9F16-7A6F2501B303}" type="datetime8">
               <a:rPr lang="en-US" smtClean="0"/>
-              <a:t>3/1/20 6:23 AM</a:t>
+              <a:t>8/28/2020 7:21 AM</a:t>
             </a:fld>
             <a:endParaRPr lang="en-US" dirty="0"/>
           </a:p>
@@ -4915,7 +4912,7 @@
           <a:p>
             <a:fld id="{D18B56EA-E28F-4F92-9F16-7A6F2501B303}" type="datetime8">
               <a:rPr lang="en-US" smtClean="0"/>
-              <a:t>3/1/20 6:27 AM</a:t>
+              <a:t>8/28/2020 7:21 AM</a:t>
             </a:fld>
             <a:endParaRPr lang="en-US" dirty="0"/>
           </a:p>
@@ -5096,7 +5093,7 @@
           <a:p>
             <a:fld id="{D18B56EA-E28F-4F92-9F16-7A6F2501B303}" type="datetime8">
               <a:rPr lang="en-US" smtClean="0"/>
-              <a:t>2/28/20 1:22 PM</a:t>
+              <a:t>8/28/2020 7:21 AM</a:t>
             </a:fld>
             <a:endParaRPr lang="en-US" dirty="0"/>
           </a:p>
@@ -5277,7 +5274,7 @@
           <a:p>
             <a:fld id="{D18B56EA-E28F-4F92-9F16-7A6F2501B303}" type="datetime8">
               <a:rPr lang="en-US" smtClean="0"/>
-              <a:t>2/28/20 1:22 PM</a:t>
+              <a:t>8/28/2020 7:21 AM</a:t>
             </a:fld>
             <a:endParaRPr lang="en-US" dirty="0"/>
           </a:p>
@@ -5458,7 +5455,7 @@
           <a:p>
             <a:fld id="{D18B56EA-E28F-4F92-9F16-7A6F2501B303}" type="datetime8">
               <a:rPr lang="en-US" smtClean="0"/>
-              <a:t>2/28/20 1:24 PM</a:t>
+              <a:t>8/28/2020 7:21 AM</a:t>
             </a:fld>
             <a:endParaRPr lang="en-US" dirty="0"/>
           </a:p>
@@ -5639,7 +5636,7 @@
           <a:p>
             <a:fld id="{D18B56EA-E28F-4F92-9F16-7A6F2501B303}" type="datetime8">
               <a:rPr lang="en-US" smtClean="0"/>
-              <a:t>2/28/20 1:24 PM</a:t>
+              <a:t>8/28/2020 7:21 AM</a:t>
             </a:fld>
             <a:endParaRPr lang="en-US" dirty="0"/>
           </a:p>
@@ -5823,7 +5820,7 @@
           <a:p>
             <a:fld id="{D18B56EA-E28F-4F92-9F16-7A6F2501B303}" type="datetime8">
               <a:rPr lang="en-US" smtClean="0"/>
-              <a:t>2/28/20 1:24 PM</a:t>
+              <a:t>8/28/2020 7:21 AM</a:t>
             </a:fld>
             <a:endParaRPr lang="en-US" dirty="0"/>
           </a:p>
@@ -6069,7 +6066,7 @@
           <a:p>
             <a:fld id="{D18B56EA-E28F-4F92-9F16-7A6F2501B303}" type="datetime8">
               <a:rPr lang="en-US" smtClean="0"/>
-              <a:t>2/28/20 1:31 PM</a:t>
+              <a:t>8/28/2020 7:21 AM</a:t>
             </a:fld>
             <a:endParaRPr lang="en-US" dirty="0"/>
           </a:p>
@@ -6292,7 +6289,7 @@
           <a:p>
             <a:fld id="{D18B56EA-E28F-4F92-9F16-7A6F2501B303}" type="datetime8">
               <a:rPr lang="en-US" smtClean="0"/>
-              <a:t>2/28/20 1:37 PM</a:t>
+              <a:t>8/28/2020 7:21 AM</a:t>
             </a:fld>
             <a:endParaRPr lang="en-US" dirty="0"/>
           </a:p>
@@ -6398,7 +6395,7 @@
           <a:p>
             <a:r>
               <a:rPr lang="en-US" dirty="0"/>
-              <a:t>Field customizers enable you to define the HTML within a cell in the list display form. In the following screenshot, notice the **Percent Complete** column is rendered with custom colored bars instead of plain text:</a:t>
+              <a:t>Field customizers enable you to define the HTML within a cell in a list view. In the following screenshot, notice the **Percent Complete** column is rendered with custom colored bars instead of plain text:</a:t>
             </a:r>
           </a:p>
           <a:p>
@@ -6500,7 +6497,7 @@
           <a:p>
             <a:fld id="{D18B56EA-E28F-4F92-9F16-7A6F2501B303}" type="datetime8">
               <a:rPr lang="en-US" smtClean="0"/>
-              <a:t>2/28/20 1:40 PM</a:t>
+              <a:t>8/28/2020 7:21 AM</a:t>
             </a:fld>
             <a:endParaRPr lang="en-US" dirty="0"/>
           </a:p>
@@ -6589,7 +6586,7 @@
           <a:p>
             <a:r>
               <a:rPr lang="en-US" dirty="0"/>
-              <a:t>The last type of extension is the command set. This extension is intended to be the modern replacement to the legacy custom actions.</a:t>
+              <a:t>The last type of extension is the command set. This extension is intended to be the modern replacement for legacy custom actions.</a:t>
             </a:r>
           </a:p>
           <a:p>
@@ -6700,7 +6697,7 @@
           <a:p>
             <a:fld id="{D18B56EA-E28F-4F92-9F16-7A6F2501B303}" type="datetime8">
               <a:rPr lang="en-US" smtClean="0"/>
-              <a:t>2/28/20 1:49 PM</a:t>
+              <a:t>8/28/2020 7:21 AM</a:t>
             </a:fld>
             <a:endParaRPr lang="en-US" dirty="0"/>
           </a:p>
@@ -7100,7 +7097,7 @@
           <a:p>
             <a:r>
               <a:rPr lang="en-US" dirty="0"/>
-              <a:t>Now let's look at how you can debug and text SharePoint Framework extensions. Unlike client-side web parts, extensions require a live SharePoint site, list, or library. This means you can't test extensions in either the local or SharePoint-hosted workbench. You can still build and host extensions projects locally while debugging and testing in a remote SharePoint site.</a:t>
+              <a:t>Now let's look at how you can debug and text SharePoint Framework extensions. Unlike client-side web parts, extensions require a live SharePoint site, list, or library. This means you can't test extensions in either the local or SharePoint-hosted workbench. However, you can still build and host extensions projects locally while debugging and testing in a remote SharePoint site.</a:t>
             </a:r>
           </a:p>
           <a:p>
@@ -7286,7 +7283,7 @@
           <a:p>
             <a:fld id="{D18B56EA-E28F-4F92-9F16-7A6F2501B303}" type="datetime8">
               <a:rPr lang="en-US" smtClean="0"/>
-              <a:t>2/29/20 5:33 AM</a:t>
+              <a:t>8/28/2020 7:21 AM</a:t>
             </a:fld>
             <a:endParaRPr lang="en-US" dirty="0"/>
           </a:p>
@@ -7400,8 +7397,14 @@
           </a:p>
           <a:p>
             <a:r>
-              <a:rPr lang="en-US" dirty="0"/>
-              <a:t>The difference between web parts and extensions when it comes to deployment is that the web part provision process is more transparent than extensions which require more manual work. </a:t>
+              <a:rPr lang="en-US" b="0" dirty="0">
+                <a:solidFill>
+                  <a:srgbClr val="000000"/>
+                </a:solidFill>
+                <a:effectLst/>
+                <a:latin typeface="Consolas" panose="020B0609020204030204" pitchFamily="49" charset="0"/>
+              </a:rPr>
+              <a:t>When it comes to deployment, the difference between web parts and extensions is that the web part provisioning process is more transparent than extensions, which require more manual work.</a:t>
             </a:r>
           </a:p>
           <a:p>
@@ -7518,7 +7521,7 @@
           <a:p>
             <a:fld id="{D18B56EA-E28F-4F92-9F16-7A6F2501B303}" type="datetime8">
               <a:rPr lang="en-US" smtClean="0"/>
-              <a:t>2/29/20 5:41 AM</a:t>
+              <a:t>8/28/2020 7:21 AM</a:t>
             </a:fld>
             <a:endParaRPr lang="en-US" dirty="0"/>
           </a:p>

--- a/01 into+appcustomizer.pptx
+++ b/01 into+appcustomizer.pptx
@@ -2806,7 +2806,7 @@
               <a:rPr lang="en-US" smtClean="0">
                 <a:latin typeface="Segoe UI" pitchFamily="34" charset="0"/>
               </a:rPr>
-              <a:t>8/28/2020 7:21 AM</a:t>
+              <a:t>8/28/2020 10:11 AM</a:t>
             </a:fld>
             <a:endParaRPr lang="en-US" dirty="0">
               <a:latin typeface="Segoe UI" pitchFamily="34" charset="0"/>
@@ -3103,7 +3103,7 @@
           <a:p>
             <a:fld id="{D18B56EA-E28F-4F92-9F16-7A6F2501B303}" type="datetime8">
               <a:rPr lang="en-US" smtClean="0"/>
-              <a:t>8/28/2020 7:21 AM</a:t>
+              <a:t>8/28/2020 10:11 AM</a:t>
             </a:fld>
             <a:endParaRPr lang="en-US" dirty="0"/>
           </a:p>
@@ -3486,7 +3486,7 @@
           <a:p>
             <a:fld id="{D18B56EA-E28F-4F92-9F16-7A6F2501B303}" type="datetime8">
               <a:rPr lang="en-US" smtClean="0"/>
-              <a:t>8/28/2020 7:21 AM</a:t>
+              <a:t>8/28/2020 10:11 AM</a:t>
             </a:fld>
             <a:endParaRPr lang="en-US" dirty="0"/>
           </a:p>
@@ -3692,7 +3692,7 @@
           <a:p>
             <a:fld id="{D18B56EA-E28F-4F92-9F16-7A6F2501B303}" type="datetime8">
               <a:rPr lang="en-US" smtClean="0"/>
-              <a:t>8/28/2020 7:21 AM</a:t>
+              <a:t>8/28/2020 10:11 AM</a:t>
             </a:fld>
             <a:endParaRPr lang="en-US" dirty="0"/>
           </a:p>
@@ -3939,7 +3939,7 @@
           <a:p>
             <a:fld id="{D18B56EA-E28F-4F92-9F16-7A6F2501B303}" type="datetime8">
               <a:rPr lang="en-US" smtClean="0"/>
-              <a:t>8/28/2020 7:21 AM</a:t>
+              <a:t>8/28/2020 10:11 AM</a:t>
             </a:fld>
             <a:endParaRPr lang="en-US" dirty="0"/>
           </a:p>
@@ -4144,7 +4144,7 @@
           <a:p>
             <a:fld id="{D18B56EA-E28F-4F92-9F16-7A6F2501B303}" type="datetime8">
               <a:rPr lang="en-US" smtClean="0"/>
-              <a:t>8/28/2020 7:21 AM</a:t>
+              <a:t>8/28/2020 10:11 AM</a:t>
             </a:fld>
             <a:endParaRPr lang="en-US" dirty="0"/>
           </a:p>
@@ -4388,7 +4388,7 @@
           <a:p>
             <a:fld id="{D18B56EA-E28F-4F92-9F16-7A6F2501B303}" type="datetime8">
               <a:rPr lang="en-US" smtClean="0"/>
-              <a:t>8/28/2020 7:21 AM</a:t>
+              <a:t>8/28/2020 10:11 AM</a:t>
             </a:fld>
             <a:endParaRPr lang="en-US" dirty="0"/>
           </a:p>
@@ -4683,7 +4683,7 @@
           <a:p>
             <a:fld id="{D18B56EA-E28F-4F92-9F16-7A6F2501B303}" type="datetime8">
               <a:rPr lang="en-US" smtClean="0"/>
-              <a:t>8/28/2020 7:21 AM</a:t>
+              <a:t>8/28/2020 10:11 AM</a:t>
             </a:fld>
             <a:endParaRPr lang="en-US" dirty="0"/>
           </a:p>
@@ -4912,7 +4912,7 @@
           <a:p>
             <a:fld id="{D18B56EA-E28F-4F92-9F16-7A6F2501B303}" type="datetime8">
               <a:rPr lang="en-US" smtClean="0"/>
-              <a:t>8/28/2020 7:21 AM</a:t>
+              <a:t>8/28/2020 10:11 AM</a:t>
             </a:fld>
             <a:endParaRPr lang="en-US" dirty="0"/>
           </a:p>
@@ -5093,7 +5093,7 @@
           <a:p>
             <a:fld id="{D18B56EA-E28F-4F92-9F16-7A6F2501B303}" type="datetime8">
               <a:rPr lang="en-US" smtClean="0"/>
-              <a:t>8/28/2020 7:21 AM</a:t>
+              <a:t>8/28/2020 10:11 AM</a:t>
             </a:fld>
             <a:endParaRPr lang="en-US" dirty="0"/>
           </a:p>
@@ -5274,7 +5274,7 @@
           <a:p>
             <a:fld id="{D18B56EA-E28F-4F92-9F16-7A6F2501B303}" type="datetime8">
               <a:rPr lang="en-US" smtClean="0"/>
-              <a:t>8/28/2020 7:21 AM</a:t>
+              <a:t>8/28/2020 10:11 AM</a:t>
             </a:fld>
             <a:endParaRPr lang="en-US" dirty="0"/>
           </a:p>
@@ -5455,7 +5455,7 @@
           <a:p>
             <a:fld id="{D18B56EA-E28F-4F92-9F16-7A6F2501B303}" type="datetime8">
               <a:rPr lang="en-US" smtClean="0"/>
-              <a:t>8/28/2020 7:21 AM</a:t>
+              <a:t>8/28/2020 10:11 AM</a:t>
             </a:fld>
             <a:endParaRPr lang="en-US" dirty="0"/>
           </a:p>
@@ -5636,7 +5636,7 @@
           <a:p>
             <a:fld id="{D18B56EA-E28F-4F92-9F16-7A6F2501B303}" type="datetime8">
               <a:rPr lang="en-US" smtClean="0"/>
-              <a:t>8/28/2020 7:21 AM</a:t>
+              <a:t>8/28/2020 10:11 AM</a:t>
             </a:fld>
             <a:endParaRPr lang="en-US" dirty="0"/>
           </a:p>
@@ -5820,7 +5820,7 @@
           <a:p>
             <a:fld id="{D18B56EA-E28F-4F92-9F16-7A6F2501B303}" type="datetime8">
               <a:rPr lang="en-US" smtClean="0"/>
-              <a:t>8/28/2020 7:21 AM</a:t>
+              <a:t>8/28/2020 10:11 AM</a:t>
             </a:fld>
             <a:endParaRPr lang="en-US" dirty="0"/>
           </a:p>
@@ -6066,7 +6066,7 @@
           <a:p>
             <a:fld id="{D18B56EA-E28F-4F92-9F16-7A6F2501B303}" type="datetime8">
               <a:rPr lang="en-US" smtClean="0"/>
-              <a:t>8/28/2020 7:21 AM</a:t>
+              <a:t>8/28/2020 10:11 AM</a:t>
             </a:fld>
             <a:endParaRPr lang="en-US" dirty="0"/>
           </a:p>
@@ -6289,7 +6289,7 @@
           <a:p>
             <a:fld id="{D18B56EA-E28F-4F92-9F16-7A6F2501B303}" type="datetime8">
               <a:rPr lang="en-US" smtClean="0"/>
-              <a:t>8/28/2020 7:21 AM</a:t>
+              <a:t>8/28/2020 10:11 AM</a:t>
             </a:fld>
             <a:endParaRPr lang="en-US" dirty="0"/>
           </a:p>
@@ -6497,7 +6497,7 @@
           <a:p>
             <a:fld id="{D18B56EA-E28F-4F92-9F16-7A6F2501B303}" type="datetime8">
               <a:rPr lang="en-US" smtClean="0"/>
-              <a:t>8/28/2020 7:21 AM</a:t>
+              <a:t>8/28/2020 10:11 AM</a:t>
             </a:fld>
             <a:endParaRPr lang="en-US" dirty="0"/>
           </a:p>
@@ -6697,7 +6697,7 @@
           <a:p>
             <a:fld id="{D18B56EA-E28F-4F92-9F16-7A6F2501B303}" type="datetime8">
               <a:rPr lang="en-US" smtClean="0"/>
-              <a:t>8/28/2020 7:21 AM</a:t>
+              <a:t>8/28/2020 10:11 AM</a:t>
             </a:fld>
             <a:endParaRPr lang="en-US" dirty="0"/>
           </a:p>
@@ -7097,7 +7097,7 @@
           <a:p>
             <a:r>
               <a:rPr lang="en-US" dirty="0"/>
-              <a:t>Now let's look at how you can debug and text SharePoint Framework extensions. Unlike client-side web parts, extensions require a live SharePoint site, list, or library. This means you can't test extensions in either the local or SharePoint-hosted workbench. However, you can still build and host extensions projects locally while debugging and testing in a remote SharePoint site.</a:t>
+              <a:t>Now let's look at how you can debug and test SharePoint Framework extensions. Unlike client-side web parts, extensions require a live SharePoint site, list, or library. This means you can't test extensions in either the local or SharePoint-hosted workbench. However, you can still build and host extensions projects locally while debugging and testing in a remote SharePoint site.</a:t>
             </a:r>
           </a:p>
           <a:p>
@@ -7283,7 +7283,7 @@
           <a:p>
             <a:fld id="{D18B56EA-E28F-4F92-9F16-7A6F2501B303}" type="datetime8">
               <a:rPr lang="en-US" smtClean="0"/>
-              <a:t>8/28/2020 7:21 AM</a:t>
+              <a:t>8/28/2020 10:11 AM</a:t>
             </a:fld>
             <a:endParaRPr lang="en-US" dirty="0"/>
           </a:p>
@@ -7521,7 +7521,7 @@
           <a:p>
             <a:fld id="{D18B56EA-E28F-4F92-9F16-7A6F2501B303}" type="datetime8">
               <a:rPr lang="en-US" smtClean="0"/>
-              <a:t>8/28/2020 7:21 AM</a:t>
+              <a:t>8/28/2020 10:11 AM</a:t>
             </a:fld>
             <a:endParaRPr lang="en-US" dirty="0"/>
           </a:p>
